--- a/CSOPESY OS Emulator System.pptx
+++ b/CSOPESY OS Emulator System.pptx
@@ -115,7 +115,127 @@
       </a:defRPr>
     </a:lvl9pPr>
   </p:defaultTextStyle>
+  <p:extLst>
+    <p:ext uri="{EFAFB233-063F-42B5-8137-9DF3F51BA10A}">
+      <p15:sldGuideLst xmlns:p15="http://schemas.microsoft.com/office/powerpoint/2012/main"/>
+    </p:ext>
+  </p:extLst>
 </p:presentation>
+</file>
+
+<file path=ppt/changesInfos/changesInfo1.xml><?xml version="1.0" encoding="utf-8"?>
+<pc:chgInfo xmlns:a="http://schemas.openxmlformats.org/drawingml/2006/main" xmlns:r="http://schemas.openxmlformats.org/officeDocument/2006/relationships" xmlns:ac="http://schemas.microsoft.com/office/drawing/2013/main/command" xmlns:pc="http://schemas.microsoft.com/office/powerpoint/2013/main/command">
+  <pc:docChgLst>
+    <pc:chgData name="Blank Day" userId="42da9e8e49acd7e8" providerId="LiveId" clId="{808E8154-84D3-4877-A4F3-72A4CE4678F9}"/>
+    <pc:docChg chg="undo custSel addSld delSld modSld sldOrd">
+      <pc:chgData name="Blank Day" userId="42da9e8e49acd7e8" providerId="LiveId" clId="{808E8154-84D3-4877-A4F3-72A4CE4678F9}" dt="2024-11-29T14:38:11.952" v="49" actId="47"/>
+      <pc:docMkLst>
+        <pc:docMk/>
+      </pc:docMkLst>
+      <pc:sldChg chg="addSp delSp modSp add del mod ord">
+        <pc:chgData name="Blank Day" userId="42da9e8e49acd7e8" providerId="LiveId" clId="{808E8154-84D3-4877-A4F3-72A4CE4678F9}" dt="2024-11-29T14:38:11.921" v="48" actId="2890"/>
+        <pc:sldMkLst>
+          <pc:docMk/>
+          <pc:sldMk cId="711893933" sldId="260"/>
+        </pc:sldMkLst>
+        <pc:spChg chg="mod">
+          <ac:chgData name="Blank Day" userId="42da9e8e49acd7e8" providerId="LiveId" clId="{808E8154-84D3-4877-A4F3-72A4CE4678F9}" dt="2024-11-29T14:38:11.184" v="44" actId="20577"/>
+          <ac:spMkLst>
+            <pc:docMk/>
+            <pc:sldMk cId="711893933" sldId="260"/>
+            <ac:spMk id="2" creationId="{6F72918B-733E-A941-6EBF-B5D721009569}"/>
+          </ac:spMkLst>
+        </pc:spChg>
+        <pc:spChg chg="mod">
+          <ac:chgData name="Blank Day" userId="42da9e8e49acd7e8" providerId="LiveId" clId="{808E8154-84D3-4877-A4F3-72A4CE4678F9}" dt="2024-11-29T14:38:10.333" v="39" actId="20577"/>
+          <ac:spMkLst>
+            <pc:docMk/>
+            <pc:sldMk cId="711893933" sldId="260"/>
+            <ac:spMk id="3" creationId="{67F8936A-B331-5DAA-8424-0956E17B8051}"/>
+          </ac:spMkLst>
+        </pc:spChg>
+        <pc:picChg chg="add del">
+          <ac:chgData name="Blank Day" userId="42da9e8e49acd7e8" providerId="LiveId" clId="{808E8154-84D3-4877-A4F3-72A4CE4678F9}" dt="2024-11-29T14:38:10.503" v="40" actId="478"/>
+          <ac:picMkLst>
+            <pc:docMk/>
+            <pc:sldMk cId="711893933" sldId="260"/>
+            <ac:picMk id="5" creationId="{BA71160F-BC91-3C79-E923-ABDAA69324E8}"/>
+          </ac:picMkLst>
+        </pc:picChg>
+      </pc:sldChg>
+      <pc:sldChg chg="add del ord">
+        <pc:chgData name="Blank Day" userId="42da9e8e49acd7e8" providerId="LiveId" clId="{808E8154-84D3-4877-A4F3-72A4CE4678F9}" dt="2024-11-29T14:38:11.859" v="46" actId="2890"/>
+        <pc:sldMkLst>
+          <pc:docMk/>
+          <pc:sldMk cId="1872357594" sldId="261"/>
+        </pc:sldMkLst>
+      </pc:sldChg>
+      <pc:sldChg chg="add del">
+        <pc:chgData name="Blank Day" userId="42da9e8e49acd7e8" providerId="LiveId" clId="{808E8154-84D3-4877-A4F3-72A4CE4678F9}" dt="2024-11-29T14:38:11.952" v="49" actId="47"/>
+        <pc:sldMkLst>
+          <pc:docMk/>
+          <pc:sldMk cId="3146675401" sldId="261"/>
+        </pc:sldMkLst>
+      </pc:sldChg>
+      <pc:sldChg chg="add del ord">
+        <pc:chgData name="Blank Day" userId="42da9e8e49acd7e8" providerId="LiveId" clId="{808E8154-84D3-4877-A4F3-72A4CE4678F9}" dt="2024-11-29T14:38:10.156" v="38" actId="2890"/>
+        <pc:sldMkLst>
+          <pc:docMk/>
+          <pc:sldMk cId="3982195507" sldId="262"/>
+        </pc:sldMkLst>
+      </pc:sldChg>
+      <pc:sldChg chg="add del">
+        <pc:chgData name="Blank Day" userId="42da9e8e49acd7e8" providerId="LiveId" clId="{808E8154-84D3-4877-A4F3-72A4CE4678F9}" dt="2024-11-29T14:38:11.952" v="49" actId="47"/>
+        <pc:sldMkLst>
+          <pc:docMk/>
+          <pc:sldMk cId="4237167951" sldId="262"/>
+        </pc:sldMkLst>
+      </pc:sldChg>
+      <pc:sldChg chg="add del">
+        <pc:chgData name="Blank Day" userId="42da9e8e49acd7e8" providerId="LiveId" clId="{808E8154-84D3-4877-A4F3-72A4CE4678F9}" dt="2024-11-29T14:38:11.952" v="49" actId="47"/>
+        <pc:sldMkLst>
+          <pc:docMk/>
+          <pc:sldMk cId="1132000447" sldId="264"/>
+        </pc:sldMkLst>
+      </pc:sldChg>
+      <pc:sldChg chg="add del">
+        <pc:chgData name="Blank Day" userId="42da9e8e49acd7e8" providerId="LiveId" clId="{808E8154-84D3-4877-A4F3-72A4CE4678F9}" dt="2024-11-29T14:38:11.952" v="49" actId="47"/>
+        <pc:sldMkLst>
+          <pc:docMk/>
+          <pc:sldMk cId="1122973220" sldId="265"/>
+        </pc:sldMkLst>
+      </pc:sldChg>
+      <pc:sldChg chg="add del">
+        <pc:chgData name="Blank Day" userId="42da9e8e49acd7e8" providerId="LiveId" clId="{808E8154-84D3-4877-A4F3-72A4CE4678F9}" dt="2024-11-29T14:38:11.952" v="49" actId="47"/>
+        <pc:sldMkLst>
+          <pc:docMk/>
+          <pc:sldMk cId="2395873784" sldId="267"/>
+        </pc:sldMkLst>
+      </pc:sldChg>
+      <pc:sldChg chg="add del">
+        <pc:chgData name="Blank Day" userId="42da9e8e49acd7e8" providerId="LiveId" clId="{808E8154-84D3-4877-A4F3-72A4CE4678F9}" dt="2024-11-29T14:38:11.952" v="49" actId="47"/>
+        <pc:sldMkLst>
+          <pc:docMk/>
+          <pc:sldMk cId="1867449189" sldId="268"/>
+        </pc:sldMkLst>
+      </pc:sldChg>
+      <pc:sldChg chg="add del">
+        <pc:chgData name="Blank Day" userId="42da9e8e49acd7e8" providerId="LiveId" clId="{808E8154-84D3-4877-A4F3-72A4CE4678F9}" dt="2024-11-29T14:38:11.952" v="49" actId="47"/>
+        <pc:sldMkLst>
+          <pc:docMk/>
+          <pc:sldMk cId="3016153561" sldId="270"/>
+        </pc:sldMkLst>
+      </pc:sldChg>
+      <pc:sldChg chg="add del">
+        <pc:chgData name="Blank Day" userId="42da9e8e49acd7e8" providerId="LiveId" clId="{808E8154-84D3-4877-A4F3-72A4CE4678F9}" dt="2024-11-29T14:38:11.952" v="49" actId="47"/>
+        <pc:sldMkLst>
+          <pc:docMk/>
+          <pc:sldMk cId="3892269795" sldId="271"/>
+        </pc:sldMkLst>
+      </pc:sldChg>
+    </pc:docChg>
+  </pc:docChgLst>
+</pc:chgInfo>
 </file>
 
 <file path=ppt/slideLayouts/slideLayout1.xml><?xml version="1.0" encoding="utf-8"?>
@@ -265,7 +385,7 @@
           <a:p>
             <a:fld id="{10CE0079-0FE5-4542-8B5F-BD7E90D91169}" type="datetimeFigureOut">
               <a:rPr lang="en-US" smtClean="0"/>
-              <a:t>11/4/2024</a:t>
+              <a:t>11/29/2024</a:t>
             </a:fld>
             <a:endParaRPr lang="en-US"/>
           </a:p>
@@ -463,7 +583,7 @@
           <a:p>
             <a:fld id="{10CE0079-0FE5-4542-8B5F-BD7E90D91169}" type="datetimeFigureOut">
               <a:rPr lang="en-US" smtClean="0"/>
-              <a:t>11/4/2024</a:t>
+              <a:t>11/29/2024</a:t>
             </a:fld>
             <a:endParaRPr lang="en-US"/>
           </a:p>
@@ -671,7 +791,7 @@
           <a:p>
             <a:fld id="{10CE0079-0FE5-4542-8B5F-BD7E90D91169}" type="datetimeFigureOut">
               <a:rPr lang="en-US" smtClean="0"/>
-              <a:t>11/4/2024</a:t>
+              <a:t>11/29/2024</a:t>
             </a:fld>
             <a:endParaRPr lang="en-US"/>
           </a:p>
@@ -869,7 +989,7 @@
           <a:p>
             <a:fld id="{10CE0079-0FE5-4542-8B5F-BD7E90D91169}" type="datetimeFigureOut">
               <a:rPr lang="en-US" smtClean="0"/>
-              <a:t>11/4/2024</a:t>
+              <a:t>11/29/2024</a:t>
             </a:fld>
             <a:endParaRPr lang="en-US"/>
           </a:p>
@@ -1067,7 +1187,7 @@
           <a:p>
             <a:fld id="{10CE0079-0FE5-4542-8B5F-BD7E90D91169}" type="datetimeFigureOut">
               <a:rPr lang="en-US" smtClean="0"/>
-              <a:t>11/4/2024</a:t>
+              <a:t>11/29/2024</a:t>
             </a:fld>
             <a:endParaRPr lang="en-US"/>
           </a:p>
@@ -1342,7 +1462,7 @@
           <a:p>
             <a:fld id="{10CE0079-0FE5-4542-8B5F-BD7E90D91169}" type="datetimeFigureOut">
               <a:rPr lang="en-US" smtClean="0"/>
-              <a:t>11/4/2024</a:t>
+              <a:t>11/29/2024</a:t>
             </a:fld>
             <a:endParaRPr lang="en-US"/>
           </a:p>
@@ -1607,7 +1727,7 @@
           <a:p>
             <a:fld id="{10CE0079-0FE5-4542-8B5F-BD7E90D91169}" type="datetimeFigureOut">
               <a:rPr lang="en-US" smtClean="0"/>
-              <a:t>11/4/2024</a:t>
+              <a:t>11/29/2024</a:t>
             </a:fld>
             <a:endParaRPr lang="en-US"/>
           </a:p>
@@ -2019,7 +2139,7 @@
           <a:p>
             <a:fld id="{10CE0079-0FE5-4542-8B5F-BD7E90D91169}" type="datetimeFigureOut">
               <a:rPr lang="en-US" smtClean="0"/>
-              <a:t>11/4/2024</a:t>
+              <a:t>11/29/2024</a:t>
             </a:fld>
             <a:endParaRPr lang="en-US"/>
           </a:p>
@@ -2160,7 +2280,7 @@
           <a:p>
             <a:fld id="{10CE0079-0FE5-4542-8B5F-BD7E90D91169}" type="datetimeFigureOut">
               <a:rPr lang="en-US" smtClean="0"/>
-              <a:t>11/4/2024</a:t>
+              <a:t>11/29/2024</a:t>
             </a:fld>
             <a:endParaRPr lang="en-US"/>
           </a:p>
@@ -2273,7 +2393,7 @@
           <a:p>
             <a:fld id="{10CE0079-0FE5-4542-8B5F-BD7E90D91169}" type="datetimeFigureOut">
               <a:rPr lang="en-US" smtClean="0"/>
-              <a:t>11/4/2024</a:t>
+              <a:t>11/29/2024</a:t>
             </a:fld>
             <a:endParaRPr lang="en-US"/>
           </a:p>
@@ -2584,7 +2704,7 @@
           <a:p>
             <a:fld id="{10CE0079-0FE5-4542-8B5F-BD7E90D91169}" type="datetimeFigureOut">
               <a:rPr lang="en-US" smtClean="0"/>
-              <a:t>11/4/2024</a:t>
+              <a:t>11/29/2024</a:t>
             </a:fld>
             <a:endParaRPr lang="en-US"/>
           </a:p>
@@ -2872,7 +2992,7 @@
           <a:p>
             <a:fld id="{10CE0079-0FE5-4542-8B5F-BD7E90D91169}" type="datetimeFigureOut">
               <a:rPr lang="en-US" smtClean="0"/>
-              <a:t>11/4/2024</a:t>
+              <a:t>11/29/2024</a:t>
             </a:fld>
             <a:endParaRPr lang="en-US"/>
           </a:p>
@@ -3113,7 +3233,7 @@
           <a:p>
             <a:fld id="{10CE0079-0FE5-4542-8B5F-BD7E90D91169}" type="datetimeFigureOut">
               <a:rPr lang="en-US" smtClean="0"/>
-              <a:t>11/4/2024</a:t>
+              <a:t>11/29/2024</a:t>
             </a:fld>
             <a:endParaRPr lang="en-US"/>
           </a:p>
